--- a/Low_Powered_AI_Lab/GL.pptx
+++ b/Low_Powered_AI_Lab/GL.pptx
@@ -14,6 +14,13 @@
     <p:sldId id="262" r:id="rId8"/>
     <p:sldId id="263" r:id="rId9"/>
     <p:sldId id="264" r:id="rId10"/>
+    <p:sldId id="265" r:id="rId11"/>
+    <p:sldId id="266" r:id="rId12"/>
+    <p:sldId id="267" r:id="rId13"/>
+    <p:sldId id="268" r:id="rId14"/>
+    <p:sldId id="269" r:id="rId15"/>
+    <p:sldId id="270" r:id="rId16"/>
+    <p:sldId id="271" r:id="rId17"/>
   </p:sldIdLst>
   <p:sldSz cx="12192000" cy="6858000"/>
   <p:notesSz cx="6858000" cy="9144000"/>
@@ -120,12 +127,291 @@
 </p:presentation>
 </file>
 
-<file path=ppt/revisionInfo.xml><?xml version="1.0" encoding="utf-8"?>
-<p1510:revInfo xmlns:a="http://schemas.openxmlformats.org/drawingml/2006/main" xmlns:r="http://schemas.openxmlformats.org/officeDocument/2006/relationships" xmlns:p1510="http://schemas.microsoft.com/office/powerpoint/2015/10/main">
-  <p1510:revLst>
-    <p1510:client id="{0CE9BED7-9423-48F1-9A1C-B7ED3288E5D8}" v="936" dt="2023-10-13T05:24:19.350"/>
-  </p1510:revLst>
-</p1510:revInfo>
+<file path=ppt/changesInfos/changesInfo1.xml><?xml version="1.0" encoding="utf-8"?>
+<pc:chgInfo xmlns:a="http://schemas.openxmlformats.org/drawingml/2006/main" xmlns:r="http://schemas.openxmlformats.org/officeDocument/2006/relationships" xmlns:ac="http://schemas.microsoft.com/office/drawing/2013/main/command" xmlns:pc="http://schemas.microsoft.com/office/powerpoint/2013/main/command">
+  <pc:docChgLst>
+    <pc:chgData name="淵丞 蔡" userId="75b82c3cc9716609" providerId="LiveId" clId="{BE548D24-DE93-40D7-8F1D-7339CB02E7EF}"/>
+    <pc:docChg chg="undo custSel addSld modSld">
+      <pc:chgData name="淵丞 蔡" userId="75b82c3cc9716609" providerId="LiveId" clId="{BE548D24-DE93-40D7-8F1D-7339CB02E7EF}" dt="2024-01-23T21:40:28.616" v="1595" actId="21"/>
+      <pc:docMkLst>
+        <pc:docMk/>
+      </pc:docMkLst>
+      <pc:sldChg chg="addSp modSp new mod">
+        <pc:chgData name="淵丞 蔡" userId="75b82c3cc9716609" providerId="LiveId" clId="{BE548D24-DE93-40D7-8F1D-7339CB02E7EF}" dt="2024-01-23T21:03:07.996" v="128" actId="1076"/>
+        <pc:sldMkLst>
+          <pc:docMk/>
+          <pc:sldMk cId="1384837009" sldId="265"/>
+        </pc:sldMkLst>
+        <pc:spChg chg="mod">
+          <ac:chgData name="淵丞 蔡" userId="75b82c3cc9716609" providerId="LiveId" clId="{BE548D24-DE93-40D7-8F1D-7339CB02E7EF}" dt="2024-01-23T20:59:13.473" v="32" actId="20577"/>
+          <ac:spMkLst>
+            <pc:docMk/>
+            <pc:sldMk cId="1384837009" sldId="265"/>
+            <ac:spMk id="2" creationId="{1BE52424-6D56-061C-0DDB-A457CF9E5E65}"/>
+          </ac:spMkLst>
+        </pc:spChg>
+        <pc:spChg chg="mod">
+          <ac:chgData name="淵丞 蔡" userId="75b82c3cc9716609" providerId="LiveId" clId="{BE548D24-DE93-40D7-8F1D-7339CB02E7EF}" dt="2024-01-23T21:00:50.705" v="111" actId="20577"/>
+          <ac:spMkLst>
+            <pc:docMk/>
+            <pc:sldMk cId="1384837009" sldId="265"/>
+            <ac:spMk id="3" creationId="{E447E208-648E-6E5D-4AE4-E0B8E3CE38DB}"/>
+          </ac:spMkLst>
+        </pc:spChg>
+        <pc:picChg chg="add mod">
+          <ac:chgData name="淵丞 蔡" userId="75b82c3cc9716609" providerId="LiveId" clId="{BE548D24-DE93-40D7-8F1D-7339CB02E7EF}" dt="2024-01-23T21:02:10.291" v="124" actId="14100"/>
+          <ac:picMkLst>
+            <pc:docMk/>
+            <pc:sldMk cId="1384837009" sldId="265"/>
+            <ac:picMk id="5" creationId="{B3EDB469-EBC7-8463-F191-2C6162AEF3F5}"/>
+          </ac:picMkLst>
+        </pc:picChg>
+        <pc:picChg chg="add mod">
+          <ac:chgData name="淵丞 蔡" userId="75b82c3cc9716609" providerId="LiveId" clId="{BE548D24-DE93-40D7-8F1D-7339CB02E7EF}" dt="2024-01-23T21:02:07.325" v="123" actId="1076"/>
+          <ac:picMkLst>
+            <pc:docMk/>
+            <pc:sldMk cId="1384837009" sldId="265"/>
+            <ac:picMk id="7" creationId="{A802DD54-FA08-AC48-B6E7-38CDFAFD19EF}"/>
+          </ac:picMkLst>
+        </pc:picChg>
+        <pc:picChg chg="add mod">
+          <ac:chgData name="淵丞 蔡" userId="75b82c3cc9716609" providerId="LiveId" clId="{BE548D24-DE93-40D7-8F1D-7339CB02E7EF}" dt="2024-01-23T21:03:07.996" v="128" actId="1076"/>
+          <ac:picMkLst>
+            <pc:docMk/>
+            <pc:sldMk cId="1384837009" sldId="265"/>
+            <ac:picMk id="9" creationId="{2410C134-8038-9B96-0DED-FC0657161069}"/>
+          </ac:picMkLst>
+        </pc:picChg>
+      </pc:sldChg>
+      <pc:sldChg chg="addSp modSp new mod">
+        <pc:chgData name="淵丞 蔡" userId="75b82c3cc9716609" providerId="LiveId" clId="{BE548D24-DE93-40D7-8F1D-7339CB02E7EF}" dt="2024-01-23T21:05:50.929" v="260" actId="1076"/>
+        <pc:sldMkLst>
+          <pc:docMk/>
+          <pc:sldMk cId="1692060175" sldId="266"/>
+        </pc:sldMkLst>
+        <pc:spChg chg="mod">
+          <ac:chgData name="淵丞 蔡" userId="75b82c3cc9716609" providerId="LiveId" clId="{BE548D24-DE93-40D7-8F1D-7339CB02E7EF}" dt="2024-01-23T21:03:48.042" v="178" actId="20577"/>
+          <ac:spMkLst>
+            <pc:docMk/>
+            <pc:sldMk cId="1692060175" sldId="266"/>
+            <ac:spMk id="2" creationId="{4C4C054F-43B4-756E-6047-094E8D1E6E69}"/>
+          </ac:spMkLst>
+        </pc:spChg>
+        <pc:spChg chg="mod">
+          <ac:chgData name="淵丞 蔡" userId="75b82c3cc9716609" providerId="LiveId" clId="{BE548D24-DE93-40D7-8F1D-7339CB02E7EF}" dt="2024-01-23T21:05:14.461" v="252" actId="20577"/>
+          <ac:spMkLst>
+            <pc:docMk/>
+            <pc:sldMk cId="1692060175" sldId="266"/>
+            <ac:spMk id="3" creationId="{5F3A0B91-758A-DC53-5D6A-F86CECC885BD}"/>
+          </ac:spMkLst>
+        </pc:spChg>
+        <pc:picChg chg="add mod">
+          <ac:chgData name="淵丞 蔡" userId="75b82c3cc9716609" providerId="LiveId" clId="{BE548D24-DE93-40D7-8F1D-7339CB02E7EF}" dt="2024-01-23T21:05:30.039" v="256" actId="1076"/>
+          <ac:picMkLst>
+            <pc:docMk/>
+            <pc:sldMk cId="1692060175" sldId="266"/>
+            <ac:picMk id="5" creationId="{9C5A1BD8-38F4-F7C5-7EA3-3A6B1AC4959D}"/>
+          </ac:picMkLst>
+        </pc:picChg>
+        <pc:picChg chg="add mod">
+          <ac:chgData name="淵丞 蔡" userId="75b82c3cc9716609" providerId="LiveId" clId="{BE548D24-DE93-40D7-8F1D-7339CB02E7EF}" dt="2024-01-23T21:05:50.929" v="260" actId="1076"/>
+          <ac:picMkLst>
+            <pc:docMk/>
+            <pc:sldMk cId="1692060175" sldId="266"/>
+            <ac:picMk id="7" creationId="{AF0000D6-9A40-5039-9E76-8B81CE52229A}"/>
+          </ac:picMkLst>
+        </pc:picChg>
+      </pc:sldChg>
+      <pc:sldChg chg="addSp modSp new mod">
+        <pc:chgData name="淵丞 蔡" userId="75b82c3cc9716609" providerId="LiveId" clId="{BE548D24-DE93-40D7-8F1D-7339CB02E7EF}" dt="2024-01-23T21:09:10.206" v="466" actId="14100"/>
+        <pc:sldMkLst>
+          <pc:docMk/>
+          <pc:sldMk cId="1708635621" sldId="267"/>
+        </pc:sldMkLst>
+        <pc:spChg chg="mod">
+          <ac:chgData name="淵丞 蔡" userId="75b82c3cc9716609" providerId="LiveId" clId="{BE548D24-DE93-40D7-8F1D-7339CB02E7EF}" dt="2024-01-23T21:06:23.068" v="302" actId="20577"/>
+          <ac:spMkLst>
+            <pc:docMk/>
+            <pc:sldMk cId="1708635621" sldId="267"/>
+            <ac:spMk id="2" creationId="{08E2D98F-5E76-3006-5289-336C4C29E155}"/>
+          </ac:spMkLst>
+        </pc:spChg>
+        <pc:spChg chg="mod">
+          <ac:chgData name="淵丞 蔡" userId="75b82c3cc9716609" providerId="LiveId" clId="{BE548D24-DE93-40D7-8F1D-7339CB02E7EF}" dt="2024-01-23T21:08:15.597" v="460" actId="20577"/>
+          <ac:spMkLst>
+            <pc:docMk/>
+            <pc:sldMk cId="1708635621" sldId="267"/>
+            <ac:spMk id="3" creationId="{CB1A11FA-C5F6-39E5-FC8A-66792CAA5045}"/>
+          </ac:spMkLst>
+        </pc:spChg>
+        <pc:picChg chg="add mod">
+          <ac:chgData name="淵丞 蔡" userId="75b82c3cc9716609" providerId="LiveId" clId="{BE548D24-DE93-40D7-8F1D-7339CB02E7EF}" dt="2024-01-23T21:09:10.206" v="466" actId="14100"/>
+          <ac:picMkLst>
+            <pc:docMk/>
+            <pc:sldMk cId="1708635621" sldId="267"/>
+            <ac:picMk id="5" creationId="{8EA23773-7476-5617-D1FB-BC2DACDF5D93}"/>
+          </ac:picMkLst>
+        </pc:picChg>
+      </pc:sldChg>
+      <pc:sldChg chg="addSp delSp modSp new mod">
+        <pc:chgData name="淵丞 蔡" userId="75b82c3cc9716609" providerId="LiveId" clId="{BE548D24-DE93-40D7-8F1D-7339CB02E7EF}" dt="2024-01-23T21:21:29.597" v="825" actId="20577"/>
+        <pc:sldMkLst>
+          <pc:docMk/>
+          <pc:sldMk cId="87144454" sldId="268"/>
+        </pc:sldMkLst>
+        <pc:spChg chg="mod">
+          <ac:chgData name="淵丞 蔡" userId="75b82c3cc9716609" providerId="LiveId" clId="{BE548D24-DE93-40D7-8F1D-7339CB02E7EF}" dt="2024-01-23T21:21:29.597" v="825" actId="20577"/>
+          <ac:spMkLst>
+            <pc:docMk/>
+            <pc:sldMk cId="87144454" sldId="268"/>
+            <ac:spMk id="2" creationId="{7DE9FEAB-4343-94D8-E6AC-76986429AFFA}"/>
+          </ac:spMkLst>
+        </pc:spChg>
+        <pc:spChg chg="add del mod">
+          <ac:chgData name="淵丞 蔡" userId="75b82c3cc9716609" providerId="LiveId" clId="{BE548D24-DE93-40D7-8F1D-7339CB02E7EF}" dt="2024-01-23T21:11:30.215" v="602" actId="20577"/>
+          <ac:spMkLst>
+            <pc:docMk/>
+            <pc:sldMk cId="87144454" sldId="268"/>
+            <ac:spMk id="3" creationId="{8B45F197-FD41-F6A1-9088-C0B4DABCEEBF}"/>
+          </ac:spMkLst>
+        </pc:spChg>
+        <pc:picChg chg="add del mod ord">
+          <ac:chgData name="淵丞 蔡" userId="75b82c3cc9716609" providerId="LiveId" clId="{BE548D24-DE93-40D7-8F1D-7339CB02E7EF}" dt="2024-01-23T21:10:06.319" v="487" actId="22"/>
+          <ac:picMkLst>
+            <pc:docMk/>
+            <pc:sldMk cId="87144454" sldId="268"/>
+            <ac:picMk id="5" creationId="{6A0A36EC-6D20-540F-DB34-5905B98A7079}"/>
+          </ac:picMkLst>
+        </pc:picChg>
+        <pc:picChg chg="add mod">
+          <ac:chgData name="淵丞 蔡" userId="75b82c3cc9716609" providerId="LiveId" clId="{BE548D24-DE93-40D7-8F1D-7339CB02E7EF}" dt="2024-01-23T21:11:39.569" v="605" actId="14100"/>
+          <ac:picMkLst>
+            <pc:docMk/>
+            <pc:sldMk cId="87144454" sldId="268"/>
+            <ac:picMk id="7" creationId="{B9936EC0-21EE-8DCD-ADC5-98D82AE0A370}"/>
+          </ac:picMkLst>
+        </pc:picChg>
+      </pc:sldChg>
+      <pc:sldChg chg="addSp modSp new mod">
+        <pc:chgData name="淵丞 蔡" userId="75b82c3cc9716609" providerId="LiveId" clId="{BE548D24-DE93-40D7-8F1D-7339CB02E7EF}" dt="2024-01-23T21:21:32.788" v="827" actId="20577"/>
+        <pc:sldMkLst>
+          <pc:docMk/>
+          <pc:sldMk cId="226284853" sldId="269"/>
+        </pc:sldMkLst>
+        <pc:spChg chg="mod">
+          <ac:chgData name="淵丞 蔡" userId="75b82c3cc9716609" providerId="LiveId" clId="{BE548D24-DE93-40D7-8F1D-7339CB02E7EF}" dt="2024-01-23T21:21:32.788" v="827" actId="20577"/>
+          <ac:spMkLst>
+            <pc:docMk/>
+            <pc:sldMk cId="226284853" sldId="269"/>
+            <ac:spMk id="2" creationId="{EDA9CC5C-5552-CC22-5E4E-B4160ABE235B}"/>
+          </ac:spMkLst>
+        </pc:spChg>
+        <pc:spChg chg="mod">
+          <ac:chgData name="淵丞 蔡" userId="75b82c3cc9716609" providerId="LiveId" clId="{BE548D24-DE93-40D7-8F1D-7339CB02E7EF}" dt="2024-01-23T21:19:29.021" v="820" actId="20577"/>
+          <ac:spMkLst>
+            <pc:docMk/>
+            <pc:sldMk cId="226284853" sldId="269"/>
+            <ac:spMk id="3" creationId="{6DD30C52-E73D-B1E6-4C95-0F15321C3959}"/>
+          </ac:spMkLst>
+        </pc:spChg>
+        <pc:picChg chg="add mod">
+          <ac:chgData name="淵丞 蔡" userId="75b82c3cc9716609" providerId="LiveId" clId="{BE548D24-DE93-40D7-8F1D-7339CB02E7EF}" dt="2024-01-23T21:20:20.016" v="823" actId="14100"/>
+          <ac:picMkLst>
+            <pc:docMk/>
+            <pc:sldMk cId="226284853" sldId="269"/>
+            <ac:picMk id="5" creationId="{534DD19F-CA25-B9F1-C40C-7AE9CFAA20D7}"/>
+          </ac:picMkLst>
+        </pc:picChg>
+      </pc:sldChg>
+      <pc:sldChg chg="addSp delSp modSp new mod">
+        <pc:chgData name="淵丞 蔡" userId="75b82c3cc9716609" providerId="LiveId" clId="{BE548D24-DE93-40D7-8F1D-7339CB02E7EF}" dt="2024-01-23T21:40:28.616" v="1595" actId="21"/>
+        <pc:sldMkLst>
+          <pc:docMk/>
+          <pc:sldMk cId="3066475070" sldId="270"/>
+        </pc:sldMkLst>
+        <pc:spChg chg="mod">
+          <ac:chgData name="淵丞 蔡" userId="75b82c3cc9716609" providerId="LiveId" clId="{BE548D24-DE93-40D7-8F1D-7339CB02E7EF}" dt="2024-01-23T21:21:46.589" v="855" actId="20577"/>
+          <ac:spMkLst>
+            <pc:docMk/>
+            <pc:sldMk cId="3066475070" sldId="270"/>
+            <ac:spMk id="2" creationId="{674F45ED-39EF-36F3-1EE6-7E6DC7BE37BC}"/>
+          </ac:spMkLst>
+        </pc:spChg>
+        <pc:spChg chg="mod">
+          <ac:chgData name="淵丞 蔡" userId="75b82c3cc9716609" providerId="LiveId" clId="{BE548D24-DE93-40D7-8F1D-7339CB02E7EF}" dt="2024-01-23T21:23:59.318" v="1126" actId="20577"/>
+          <ac:spMkLst>
+            <pc:docMk/>
+            <pc:sldMk cId="3066475070" sldId="270"/>
+            <ac:spMk id="3" creationId="{B3D43A40-C7F0-5E84-6A02-3D294A4E5E49}"/>
+          </ac:spMkLst>
+        </pc:spChg>
+        <pc:picChg chg="add del mod">
+          <ac:chgData name="淵丞 蔡" userId="75b82c3cc9716609" providerId="LiveId" clId="{BE548D24-DE93-40D7-8F1D-7339CB02E7EF}" dt="2024-01-23T21:40:28.616" v="1595" actId="21"/>
+          <ac:picMkLst>
+            <pc:docMk/>
+            <pc:sldMk cId="3066475070" sldId="270"/>
+            <ac:picMk id="5" creationId="{0876BC01-D369-2B12-D21F-29C1064B1F85}"/>
+          </ac:picMkLst>
+        </pc:picChg>
+        <pc:picChg chg="add mod">
+          <ac:chgData name="淵丞 蔡" userId="75b82c3cc9716609" providerId="LiveId" clId="{BE548D24-DE93-40D7-8F1D-7339CB02E7EF}" dt="2024-01-23T21:26:08.797" v="1137" actId="14100"/>
+          <ac:picMkLst>
+            <pc:docMk/>
+            <pc:sldMk cId="3066475070" sldId="270"/>
+            <ac:picMk id="7" creationId="{7EF0D5B0-4BB3-5B22-7692-53A0A1C13276}"/>
+          </ac:picMkLst>
+        </pc:picChg>
+        <pc:picChg chg="add mod">
+          <ac:chgData name="淵丞 蔡" userId="75b82c3cc9716609" providerId="LiveId" clId="{BE548D24-DE93-40D7-8F1D-7339CB02E7EF}" dt="2024-01-23T21:26:12.310" v="1138" actId="14100"/>
+          <ac:picMkLst>
+            <pc:docMk/>
+            <pc:sldMk cId="3066475070" sldId="270"/>
+            <ac:picMk id="9" creationId="{2D1E2FAD-15AD-6539-FAAB-8D655DB54FDC}"/>
+          </ac:picMkLst>
+        </pc:picChg>
+      </pc:sldChg>
+      <pc:sldChg chg="addSp modSp new mod">
+        <pc:chgData name="淵丞 蔡" userId="75b82c3cc9716609" providerId="LiveId" clId="{BE548D24-DE93-40D7-8F1D-7339CB02E7EF}" dt="2024-01-23T21:32:56.059" v="1593" actId="20577"/>
+        <pc:sldMkLst>
+          <pc:docMk/>
+          <pc:sldMk cId="850155086" sldId="271"/>
+        </pc:sldMkLst>
+        <pc:spChg chg="mod">
+          <ac:chgData name="淵丞 蔡" userId="75b82c3cc9716609" providerId="LiveId" clId="{BE548D24-DE93-40D7-8F1D-7339CB02E7EF}" dt="2024-01-23T21:26:42.423" v="1157" actId="20577"/>
+          <ac:spMkLst>
+            <pc:docMk/>
+            <pc:sldMk cId="850155086" sldId="271"/>
+            <ac:spMk id="2" creationId="{31A3EF4E-4C3F-B3DA-DBD4-D3DDAF46556C}"/>
+          </ac:spMkLst>
+        </pc:spChg>
+        <pc:spChg chg="mod">
+          <ac:chgData name="淵丞 蔡" userId="75b82c3cc9716609" providerId="LiveId" clId="{BE548D24-DE93-40D7-8F1D-7339CB02E7EF}" dt="2024-01-23T21:32:56.059" v="1593" actId="20577"/>
+          <ac:spMkLst>
+            <pc:docMk/>
+            <pc:sldMk cId="850155086" sldId="271"/>
+            <ac:spMk id="3" creationId="{370DD323-7263-A352-2169-6D8C8DE5E228}"/>
+          </ac:spMkLst>
+        </pc:spChg>
+        <pc:picChg chg="add mod">
+          <ac:chgData name="淵丞 蔡" userId="75b82c3cc9716609" providerId="LiveId" clId="{BE548D24-DE93-40D7-8F1D-7339CB02E7EF}" dt="2024-01-23T21:30:49.984" v="1414" actId="14100"/>
+          <ac:picMkLst>
+            <pc:docMk/>
+            <pc:sldMk cId="850155086" sldId="271"/>
+            <ac:picMk id="5" creationId="{CE0AB752-3A3F-407F-F7F2-1BC476126C51}"/>
+          </ac:picMkLst>
+        </pc:picChg>
+        <pc:picChg chg="add mod">
+          <ac:chgData name="淵丞 蔡" userId="75b82c3cc9716609" providerId="LiveId" clId="{BE548D24-DE93-40D7-8F1D-7339CB02E7EF}" dt="2024-01-23T21:31:06.685" v="1417" actId="14100"/>
+          <ac:picMkLst>
+            <pc:docMk/>
+            <pc:sldMk cId="850155086" sldId="271"/>
+            <ac:picMk id="7" creationId="{F3527C0B-8E31-D2DF-1614-452E46A03553}"/>
+          </ac:picMkLst>
+        </pc:picChg>
+      </pc:sldChg>
+    </pc:docChg>
+  </pc:docChgLst>
+</pc:chgInfo>
 </file>
 
 <file path=ppt/slideLayouts/slideLayout1.xml><?xml version="1.0" encoding="utf-8"?>
@@ -257,7 +543,7 @@
           <a:p>
             <a:fld id="{9275EF9D-446A-4BA9-9A8F-8795C824CFA3}" type="datetimeFigureOut">
               <a:rPr lang="zh-TW" altLang="en-US" smtClean="0"/>
-              <a:t>2023/10/12</a:t>
+              <a:t>2024/1/24</a:t>
             </a:fld>
             <a:endParaRPr lang="zh-TW" altLang="en-US"/>
           </a:p>
@@ -425,7 +711,7 @@
           <a:p>
             <a:fld id="{9275EF9D-446A-4BA9-9A8F-8795C824CFA3}" type="datetimeFigureOut">
               <a:rPr lang="zh-TW" altLang="en-US" smtClean="0"/>
-              <a:t>2023/10/12</a:t>
+              <a:t>2024/1/24</a:t>
             </a:fld>
             <a:endParaRPr lang="zh-TW" altLang="en-US"/>
           </a:p>
@@ -603,7 +889,7 @@
           <a:p>
             <a:fld id="{9275EF9D-446A-4BA9-9A8F-8795C824CFA3}" type="datetimeFigureOut">
               <a:rPr lang="zh-TW" altLang="en-US" smtClean="0"/>
-              <a:t>2023/10/12</a:t>
+              <a:t>2024/1/24</a:t>
             </a:fld>
             <a:endParaRPr lang="zh-TW" altLang="en-US"/>
           </a:p>
@@ -771,7 +1057,7 @@
           <a:p>
             <a:fld id="{9275EF9D-446A-4BA9-9A8F-8795C824CFA3}" type="datetimeFigureOut">
               <a:rPr lang="zh-TW" altLang="en-US" smtClean="0"/>
-              <a:t>2023/10/12</a:t>
+              <a:t>2024/1/24</a:t>
             </a:fld>
             <a:endParaRPr lang="zh-TW" altLang="en-US"/>
           </a:p>
@@ -1016,7 +1302,7 @@
           <a:p>
             <a:fld id="{9275EF9D-446A-4BA9-9A8F-8795C824CFA3}" type="datetimeFigureOut">
               <a:rPr lang="zh-TW" altLang="en-US" smtClean="0"/>
-              <a:t>2023/10/12</a:t>
+              <a:t>2024/1/24</a:t>
             </a:fld>
             <a:endParaRPr lang="zh-TW" altLang="en-US"/>
           </a:p>
@@ -1245,7 +1531,7 @@
           <a:p>
             <a:fld id="{9275EF9D-446A-4BA9-9A8F-8795C824CFA3}" type="datetimeFigureOut">
               <a:rPr lang="zh-TW" altLang="en-US" smtClean="0"/>
-              <a:t>2023/10/12</a:t>
+              <a:t>2024/1/24</a:t>
             </a:fld>
             <a:endParaRPr lang="zh-TW" altLang="en-US"/>
           </a:p>
@@ -1609,7 +1895,7 @@
           <a:p>
             <a:fld id="{9275EF9D-446A-4BA9-9A8F-8795C824CFA3}" type="datetimeFigureOut">
               <a:rPr lang="zh-TW" altLang="en-US" smtClean="0"/>
-              <a:t>2023/10/12</a:t>
+              <a:t>2024/1/24</a:t>
             </a:fld>
             <a:endParaRPr lang="zh-TW" altLang="en-US"/>
           </a:p>
@@ -1726,7 +2012,7 @@
           <a:p>
             <a:fld id="{9275EF9D-446A-4BA9-9A8F-8795C824CFA3}" type="datetimeFigureOut">
               <a:rPr lang="zh-TW" altLang="en-US" smtClean="0"/>
-              <a:t>2023/10/12</a:t>
+              <a:t>2024/1/24</a:t>
             </a:fld>
             <a:endParaRPr lang="zh-TW" altLang="en-US"/>
           </a:p>
@@ -1821,7 +2107,7 @@
           <a:p>
             <a:fld id="{9275EF9D-446A-4BA9-9A8F-8795C824CFA3}" type="datetimeFigureOut">
               <a:rPr lang="zh-TW" altLang="en-US" smtClean="0"/>
-              <a:t>2023/10/12</a:t>
+              <a:t>2024/1/24</a:t>
             </a:fld>
             <a:endParaRPr lang="zh-TW" altLang="en-US"/>
           </a:p>
@@ -2096,7 +2382,7 @@
           <a:p>
             <a:fld id="{9275EF9D-446A-4BA9-9A8F-8795C824CFA3}" type="datetimeFigureOut">
               <a:rPr lang="zh-TW" altLang="en-US" smtClean="0"/>
-              <a:t>2023/10/12</a:t>
+              <a:t>2024/1/24</a:t>
             </a:fld>
             <a:endParaRPr lang="zh-TW" altLang="en-US"/>
           </a:p>
@@ -2348,7 +2634,7 @@
           <a:p>
             <a:fld id="{9275EF9D-446A-4BA9-9A8F-8795C824CFA3}" type="datetimeFigureOut">
               <a:rPr lang="zh-TW" altLang="en-US" smtClean="0"/>
-              <a:t>2023/10/12</a:t>
+              <a:t>2024/1/24</a:t>
             </a:fld>
             <a:endParaRPr lang="zh-TW" altLang="en-US"/>
           </a:p>
@@ -2559,7 +2845,7 @@
           <a:p>
             <a:fld id="{9275EF9D-446A-4BA9-9A8F-8795C824CFA3}" type="datetimeFigureOut">
               <a:rPr lang="zh-TW" altLang="en-US" smtClean="0"/>
-              <a:t>2023/10/12</a:t>
+              <a:t>2024/1/24</a:t>
             </a:fld>
             <a:endParaRPr lang="zh-TW" altLang="en-US"/>
           </a:p>
@@ -3022,6 +3308,1029 @@
 </p:sld>
 </file>
 
+<file path=ppt/slides/slide10.xml><?xml version="1.0" encoding="utf-8"?>
+<p:sld xmlns:a="http://schemas.openxmlformats.org/drawingml/2006/main" xmlns:r="http://schemas.openxmlformats.org/officeDocument/2006/relationships" xmlns:p="http://schemas.openxmlformats.org/presentationml/2006/main">
+  <p:cSld>
+    <p:spTree>
+      <p:nvGrpSpPr>
+        <p:cNvPr id="1" name=""/>
+        <p:cNvGrpSpPr/>
+        <p:nvPr/>
+      </p:nvGrpSpPr>
+      <p:grpSpPr>
+        <a:xfrm>
+          <a:off x="0" y="0"/>
+          <a:ext cx="0" cy="0"/>
+          <a:chOff x="0" y="0"/>
+          <a:chExt cx="0" cy="0"/>
+        </a:xfrm>
+      </p:grpSpPr>
+      <p:sp>
+        <p:nvSpPr>
+          <p:cNvPr id="2" name="標題 1">
+            <a:extLst>
+              <a:ext uri="{FF2B5EF4-FFF2-40B4-BE49-F238E27FC236}">
+                <a16:creationId xmlns:a16="http://schemas.microsoft.com/office/drawing/2014/main" id="{1BE52424-6D56-061C-0DDB-A457CF9E5E65}"/>
+              </a:ext>
+            </a:extLst>
+          </p:cNvPr>
+          <p:cNvSpPr>
+            <a:spLocks noGrp="1"/>
+          </p:cNvSpPr>
+          <p:nvPr>
+            <p:ph type="title"/>
+          </p:nvPr>
+        </p:nvSpPr>
+        <p:spPr/>
+        <p:txBody>
+          <a:bodyPr/>
+          <a:lstStyle/>
+          <a:p>
+            <a:r>
+              <a:rPr lang="en-US" altLang="zh-TW" dirty="0"/>
+              <a:t>Training Sample Partitioning</a:t>
+            </a:r>
+            <a:endParaRPr lang="zh-TW" altLang="en-US" dirty="0"/>
+          </a:p>
+        </p:txBody>
+      </p:sp>
+      <p:sp>
+        <p:nvSpPr>
+          <p:cNvPr id="3" name="內容版面配置區 2">
+            <a:extLst>
+              <a:ext uri="{FF2B5EF4-FFF2-40B4-BE49-F238E27FC236}">
+                <a16:creationId xmlns:a16="http://schemas.microsoft.com/office/drawing/2014/main" id="{E447E208-648E-6E5D-4AE4-E0B8E3CE38DB}"/>
+              </a:ext>
+            </a:extLst>
+          </p:cNvPr>
+          <p:cNvSpPr>
+            <a:spLocks noGrp="1"/>
+          </p:cNvSpPr>
+          <p:nvPr>
+            <p:ph idx="1"/>
+          </p:nvPr>
+        </p:nvSpPr>
+        <p:spPr/>
+        <p:txBody>
+          <a:bodyPr/>
+          <a:lstStyle/>
+          <a:p>
+            <a:r>
+              <a:rPr lang="en-US" altLang="zh-TW" dirty="0"/>
+              <a:t>Find the optimal threshold to partition the samples into two intervals</a:t>
+            </a:r>
+            <a:endParaRPr lang="zh-TW" altLang="en-US" dirty="0"/>
+          </a:p>
+        </p:txBody>
+      </p:sp>
+      <p:pic>
+        <p:nvPicPr>
+          <p:cNvPr id="5" name="圖片 4">
+            <a:extLst>
+              <a:ext uri="{FF2B5EF4-FFF2-40B4-BE49-F238E27FC236}">
+                <a16:creationId xmlns:a16="http://schemas.microsoft.com/office/drawing/2014/main" id="{B3EDB469-EBC7-8463-F191-2C6162AEF3F5}"/>
+              </a:ext>
+            </a:extLst>
+          </p:cNvPr>
+          <p:cNvPicPr>
+            <a:picLocks noChangeAspect="1"/>
+          </p:cNvPicPr>
+          <p:nvPr/>
+        </p:nvPicPr>
+        <p:blipFill>
+          <a:blip r:embed="rId2"/>
+          <a:stretch>
+            <a:fillRect/>
+          </a:stretch>
+        </p:blipFill>
+        <p:spPr>
+          <a:xfrm>
+            <a:off x="838200" y="2520127"/>
+            <a:ext cx="3700346" cy="1335618"/>
+          </a:xfrm>
+          <a:prstGeom prst="rect">
+            <a:avLst/>
+          </a:prstGeom>
+        </p:spPr>
+      </p:pic>
+      <p:pic>
+        <p:nvPicPr>
+          <p:cNvPr id="7" name="圖片 6">
+            <a:extLst>
+              <a:ext uri="{FF2B5EF4-FFF2-40B4-BE49-F238E27FC236}">
+                <a16:creationId xmlns:a16="http://schemas.microsoft.com/office/drawing/2014/main" id="{A802DD54-FA08-AC48-B6E7-38CDFAFD19EF}"/>
+              </a:ext>
+            </a:extLst>
+          </p:cNvPr>
+          <p:cNvPicPr>
+            <a:picLocks noChangeAspect="1"/>
+          </p:cNvPicPr>
+          <p:nvPr/>
+        </p:nvPicPr>
+        <p:blipFill>
+          <a:blip r:embed="rId3"/>
+          <a:stretch>
+            <a:fillRect/>
+          </a:stretch>
+        </p:blipFill>
+        <p:spPr>
+          <a:xfrm>
+            <a:off x="838200" y="4151023"/>
+            <a:ext cx="10038475" cy="1162545"/>
+          </a:xfrm>
+          <a:prstGeom prst="rect">
+            <a:avLst/>
+          </a:prstGeom>
+        </p:spPr>
+      </p:pic>
+      <p:pic>
+        <p:nvPicPr>
+          <p:cNvPr id="9" name="圖片 8">
+            <a:extLst>
+              <a:ext uri="{FF2B5EF4-FFF2-40B4-BE49-F238E27FC236}">
+                <a16:creationId xmlns:a16="http://schemas.microsoft.com/office/drawing/2014/main" id="{2410C134-8038-9B96-0DED-FC0657161069}"/>
+              </a:ext>
+            </a:extLst>
+          </p:cNvPr>
+          <p:cNvPicPr>
+            <a:picLocks noChangeAspect="1"/>
+          </p:cNvPicPr>
+          <p:nvPr/>
+        </p:nvPicPr>
+        <p:blipFill>
+          <a:blip r:embed="rId4"/>
+          <a:stretch>
+            <a:fillRect/>
+          </a:stretch>
+        </p:blipFill>
+        <p:spPr>
+          <a:xfrm>
+            <a:off x="6096000" y="5077171"/>
+            <a:ext cx="4646417" cy="472793"/>
+          </a:xfrm>
+          <a:prstGeom prst="rect">
+            <a:avLst/>
+          </a:prstGeom>
+        </p:spPr>
+      </p:pic>
+    </p:spTree>
+    <p:extLst>
+      <p:ext uri="{BB962C8B-B14F-4D97-AF65-F5344CB8AC3E}">
+        <p14:creationId xmlns:p14="http://schemas.microsoft.com/office/powerpoint/2010/main" val="1384837009"/>
+      </p:ext>
+    </p:extLst>
+  </p:cSld>
+  <p:clrMapOvr>
+    <a:masterClrMapping/>
+  </p:clrMapOvr>
+</p:sld>
+</file>
+
+<file path=ppt/slides/slide11.xml><?xml version="1.0" encoding="utf-8"?>
+<p:sld xmlns:a="http://schemas.openxmlformats.org/drawingml/2006/main" xmlns:r="http://schemas.openxmlformats.org/officeDocument/2006/relationships" xmlns:p="http://schemas.openxmlformats.org/presentationml/2006/main">
+  <p:cSld>
+    <p:spTree>
+      <p:nvGrpSpPr>
+        <p:cNvPr id="1" name=""/>
+        <p:cNvGrpSpPr/>
+        <p:nvPr/>
+      </p:nvGrpSpPr>
+      <p:grpSpPr>
+        <a:xfrm>
+          <a:off x="0" y="0"/>
+          <a:ext cx="0" cy="0"/>
+          <a:chOff x="0" y="0"/>
+          <a:chExt cx="0" cy="0"/>
+        </a:xfrm>
+      </p:grpSpPr>
+      <p:sp>
+        <p:nvSpPr>
+          <p:cNvPr id="2" name="標題 1">
+            <a:extLst>
+              <a:ext uri="{FF2B5EF4-FFF2-40B4-BE49-F238E27FC236}">
+                <a16:creationId xmlns:a16="http://schemas.microsoft.com/office/drawing/2014/main" id="{4C4C054F-43B4-756E-6047-094E8D1E6E69}"/>
+              </a:ext>
+            </a:extLst>
+          </p:cNvPr>
+          <p:cNvSpPr>
+            <a:spLocks noGrp="1"/>
+          </p:cNvSpPr>
+          <p:nvPr>
+            <p:ph type="title"/>
+          </p:nvPr>
+        </p:nvSpPr>
+        <p:spPr/>
+        <p:txBody>
+          <a:bodyPr/>
+          <a:lstStyle/>
+          <a:p>
+            <a:r>
+              <a:rPr lang="en-US" altLang="zh-TW" dirty="0"/>
+              <a:t>DFT Loss Measured by Weighted Entropy</a:t>
+            </a:r>
+            <a:endParaRPr lang="zh-TW" altLang="en-US" dirty="0"/>
+          </a:p>
+        </p:txBody>
+      </p:sp>
+      <p:sp>
+        <p:nvSpPr>
+          <p:cNvPr id="3" name="內容版面配置區 2">
+            <a:extLst>
+              <a:ext uri="{FF2B5EF4-FFF2-40B4-BE49-F238E27FC236}">
+                <a16:creationId xmlns:a16="http://schemas.microsoft.com/office/drawing/2014/main" id="{5F3A0B91-758A-DC53-5D6A-F86CECC885BD}"/>
+              </a:ext>
+            </a:extLst>
+          </p:cNvPr>
+          <p:cNvSpPr>
+            <a:spLocks noGrp="1"/>
+          </p:cNvSpPr>
+          <p:nvPr>
+            <p:ph idx="1"/>
+          </p:nvPr>
+        </p:nvSpPr>
+        <p:spPr/>
+        <p:txBody>
+          <a:bodyPr/>
+          <a:lstStyle/>
+          <a:p>
+            <a:r>
+              <a:rPr lang="en-US" altLang="zh-TW" dirty="0"/>
+              <a:t>Calculate weighted entropy of the left and right subintervals </a:t>
+            </a:r>
+            <a:endParaRPr lang="zh-TW" altLang="en-US" dirty="0"/>
+          </a:p>
+        </p:txBody>
+      </p:sp>
+      <p:pic>
+        <p:nvPicPr>
+          <p:cNvPr id="5" name="圖片 4">
+            <a:extLst>
+              <a:ext uri="{FF2B5EF4-FFF2-40B4-BE49-F238E27FC236}">
+                <a16:creationId xmlns:a16="http://schemas.microsoft.com/office/drawing/2014/main" id="{9C5A1BD8-38F4-F7C5-7EA3-3A6B1AC4959D}"/>
+              </a:ext>
+            </a:extLst>
+          </p:cNvPr>
+          <p:cNvPicPr>
+            <a:picLocks noChangeAspect="1"/>
+          </p:cNvPicPr>
+          <p:nvPr/>
+        </p:nvPicPr>
+        <p:blipFill>
+          <a:blip r:embed="rId2"/>
+          <a:stretch>
+            <a:fillRect/>
+          </a:stretch>
+        </p:blipFill>
+        <p:spPr>
+          <a:xfrm>
+            <a:off x="838200" y="2275561"/>
+            <a:ext cx="4651942" cy="1337434"/>
+          </a:xfrm>
+          <a:prstGeom prst="rect">
+            <a:avLst/>
+          </a:prstGeom>
+        </p:spPr>
+      </p:pic>
+      <p:pic>
+        <p:nvPicPr>
+          <p:cNvPr id="7" name="圖片 6">
+            <a:extLst>
+              <a:ext uri="{FF2B5EF4-FFF2-40B4-BE49-F238E27FC236}">
+                <a16:creationId xmlns:a16="http://schemas.microsoft.com/office/drawing/2014/main" id="{AF0000D6-9A40-5039-9E76-8B81CE52229A}"/>
+              </a:ext>
+            </a:extLst>
+          </p:cNvPr>
+          <p:cNvPicPr>
+            <a:picLocks noChangeAspect="1"/>
+          </p:cNvPicPr>
+          <p:nvPr/>
+        </p:nvPicPr>
+        <p:blipFill>
+          <a:blip r:embed="rId3"/>
+          <a:stretch>
+            <a:fillRect/>
+          </a:stretch>
+        </p:blipFill>
+        <p:spPr>
+          <a:xfrm>
+            <a:off x="838200" y="3612995"/>
+            <a:ext cx="5965921" cy="1434620"/>
+          </a:xfrm>
+          <a:prstGeom prst="rect">
+            <a:avLst/>
+          </a:prstGeom>
+        </p:spPr>
+      </p:pic>
+    </p:spTree>
+    <p:extLst>
+      <p:ext uri="{BB962C8B-B14F-4D97-AF65-F5344CB8AC3E}">
+        <p14:creationId xmlns:p14="http://schemas.microsoft.com/office/powerpoint/2010/main" val="1692060175"/>
+      </p:ext>
+    </p:extLst>
+  </p:cSld>
+  <p:clrMapOvr>
+    <a:masterClrMapping/>
+  </p:clrMapOvr>
+</p:sld>
+</file>
+
+<file path=ppt/slides/slide12.xml><?xml version="1.0" encoding="utf-8"?>
+<p:sld xmlns:a="http://schemas.openxmlformats.org/drawingml/2006/main" xmlns:r="http://schemas.openxmlformats.org/officeDocument/2006/relationships" xmlns:p="http://schemas.openxmlformats.org/presentationml/2006/main">
+  <p:cSld>
+    <p:spTree>
+      <p:nvGrpSpPr>
+        <p:cNvPr id="1" name=""/>
+        <p:cNvGrpSpPr/>
+        <p:nvPr/>
+      </p:nvGrpSpPr>
+      <p:grpSpPr>
+        <a:xfrm>
+          <a:off x="0" y="0"/>
+          <a:ext cx="0" cy="0"/>
+          <a:chOff x="0" y="0"/>
+          <a:chExt cx="0" cy="0"/>
+        </a:xfrm>
+      </p:grpSpPr>
+      <p:sp>
+        <p:nvSpPr>
+          <p:cNvPr id="2" name="標題 1">
+            <a:extLst>
+              <a:ext uri="{FF2B5EF4-FFF2-40B4-BE49-F238E27FC236}">
+                <a16:creationId xmlns:a16="http://schemas.microsoft.com/office/drawing/2014/main" id="{08E2D98F-5E76-3006-5289-336C4C29E155}"/>
+              </a:ext>
+            </a:extLst>
+          </p:cNvPr>
+          <p:cNvSpPr>
+            <a:spLocks noGrp="1"/>
+          </p:cNvSpPr>
+          <p:nvPr>
+            <p:ph type="title"/>
+          </p:nvPr>
+        </p:nvSpPr>
+        <p:spPr/>
+        <p:txBody>
+          <a:bodyPr/>
+          <a:lstStyle/>
+          <a:p>
+            <a:r>
+              <a:rPr lang="en-US" altLang="zh-TW" dirty="0"/>
+              <a:t>Feature Selection Based on Optimized Loss</a:t>
+            </a:r>
+            <a:endParaRPr lang="zh-TW" altLang="en-US" dirty="0"/>
+          </a:p>
+        </p:txBody>
+      </p:sp>
+      <p:sp>
+        <p:nvSpPr>
+          <p:cNvPr id="3" name="內容版面配置區 2">
+            <a:extLst>
+              <a:ext uri="{FF2B5EF4-FFF2-40B4-BE49-F238E27FC236}">
+                <a16:creationId xmlns:a16="http://schemas.microsoft.com/office/drawing/2014/main" id="{CB1A11FA-C5F6-39E5-FC8A-66792CAA5045}"/>
+              </a:ext>
+            </a:extLst>
+          </p:cNvPr>
+          <p:cNvSpPr>
+            <a:spLocks noGrp="1"/>
+          </p:cNvSpPr>
+          <p:nvPr>
+            <p:ph idx="1"/>
+          </p:nvPr>
+        </p:nvSpPr>
+        <p:spPr/>
+        <p:txBody>
+          <a:bodyPr/>
+          <a:lstStyle/>
+          <a:p>
+            <a:r>
+              <a:rPr lang="en-US" altLang="zh-TW" dirty="0"/>
+              <a:t>Partitions with the smallest entropy value represent better separation of the classes, that is , most discriminant features.</a:t>
+            </a:r>
+            <a:endParaRPr lang="zh-TW" altLang="en-US" dirty="0"/>
+          </a:p>
+        </p:txBody>
+      </p:sp>
+      <p:pic>
+        <p:nvPicPr>
+          <p:cNvPr id="5" name="圖片 4">
+            <a:extLst>
+              <a:ext uri="{FF2B5EF4-FFF2-40B4-BE49-F238E27FC236}">
+                <a16:creationId xmlns:a16="http://schemas.microsoft.com/office/drawing/2014/main" id="{8EA23773-7476-5617-D1FB-BC2DACDF5D93}"/>
+              </a:ext>
+            </a:extLst>
+          </p:cNvPr>
+          <p:cNvPicPr>
+            <a:picLocks noChangeAspect="1"/>
+          </p:cNvPicPr>
+          <p:nvPr/>
+        </p:nvPicPr>
+        <p:blipFill>
+          <a:blip r:embed="rId2"/>
+          <a:stretch>
+            <a:fillRect/>
+          </a:stretch>
+        </p:blipFill>
+        <p:spPr>
+          <a:xfrm>
+            <a:off x="838201" y="2716529"/>
+            <a:ext cx="3878766" cy="1277977"/>
+          </a:xfrm>
+          <a:prstGeom prst="rect">
+            <a:avLst/>
+          </a:prstGeom>
+        </p:spPr>
+      </p:pic>
+    </p:spTree>
+    <p:extLst>
+      <p:ext uri="{BB962C8B-B14F-4D97-AF65-F5344CB8AC3E}">
+        <p14:creationId xmlns:p14="http://schemas.microsoft.com/office/powerpoint/2010/main" val="1708635621"/>
+      </p:ext>
+    </p:extLst>
+  </p:cSld>
+  <p:clrMapOvr>
+    <a:masterClrMapping/>
+  </p:clrMapOvr>
+</p:sld>
+</file>
+
+<file path=ppt/slides/slide13.xml><?xml version="1.0" encoding="utf-8"?>
+<p:sld xmlns:a="http://schemas.openxmlformats.org/drawingml/2006/main" xmlns:r="http://schemas.openxmlformats.org/officeDocument/2006/relationships" xmlns:p="http://schemas.openxmlformats.org/presentationml/2006/main">
+  <p:cSld>
+    <p:spTree>
+      <p:nvGrpSpPr>
+        <p:cNvPr id="1" name=""/>
+        <p:cNvGrpSpPr/>
+        <p:nvPr/>
+      </p:nvGrpSpPr>
+      <p:grpSpPr>
+        <a:xfrm>
+          <a:off x="0" y="0"/>
+          <a:ext cx="0" cy="0"/>
+          <a:chOff x="0" y="0"/>
+          <a:chExt cx="0" cy="0"/>
+        </a:xfrm>
+      </p:grpSpPr>
+      <p:sp>
+        <p:nvSpPr>
+          <p:cNvPr id="2" name="標題 1">
+            <a:extLst>
+              <a:ext uri="{FF2B5EF4-FFF2-40B4-BE49-F238E27FC236}">
+                <a16:creationId xmlns:a16="http://schemas.microsoft.com/office/drawing/2014/main" id="{7DE9FEAB-4343-94D8-E6AC-76986429AFFA}"/>
+              </a:ext>
+            </a:extLst>
+          </p:cNvPr>
+          <p:cNvSpPr>
+            <a:spLocks noGrp="1"/>
+          </p:cNvSpPr>
+          <p:nvPr>
+            <p:ph type="title"/>
+          </p:nvPr>
+        </p:nvSpPr>
+        <p:spPr/>
+        <p:txBody>
+          <a:bodyPr/>
+          <a:lstStyle/>
+          <a:p>
+            <a:r>
+              <a:rPr lang="en-US" altLang="zh-TW" dirty="0"/>
+              <a:t>Example </a:t>
+            </a:r>
+            <a:endParaRPr lang="zh-TW" altLang="en-US" dirty="0"/>
+          </a:p>
+        </p:txBody>
+      </p:sp>
+      <p:sp>
+        <p:nvSpPr>
+          <p:cNvPr id="3" name="內容版面配置區 2">
+            <a:extLst>
+              <a:ext uri="{FF2B5EF4-FFF2-40B4-BE49-F238E27FC236}">
+                <a16:creationId xmlns:a16="http://schemas.microsoft.com/office/drawing/2014/main" id="{8B45F197-FD41-F6A1-9088-C0B4DABCEEBF}"/>
+              </a:ext>
+            </a:extLst>
+          </p:cNvPr>
+          <p:cNvSpPr>
+            <a:spLocks noGrp="1"/>
+          </p:cNvSpPr>
+          <p:nvPr>
+            <p:ph idx="1"/>
+          </p:nvPr>
+        </p:nvSpPr>
+        <p:spPr/>
+        <p:txBody>
+          <a:bodyPr/>
+          <a:lstStyle/>
+          <a:p>
+            <a:r>
+              <a:rPr lang="en-US" altLang="zh-TW" dirty="0"/>
+              <a:t>Consider sample space with 4 samples, each sample contains 3 dimensions of features and 1 class labels.</a:t>
+            </a:r>
+            <a:endParaRPr lang="zh-TW" altLang="en-US" dirty="0"/>
+          </a:p>
+        </p:txBody>
+      </p:sp>
+      <p:pic>
+        <p:nvPicPr>
+          <p:cNvPr id="7" name="圖片 6">
+            <a:extLst>
+              <a:ext uri="{FF2B5EF4-FFF2-40B4-BE49-F238E27FC236}">
+                <a16:creationId xmlns:a16="http://schemas.microsoft.com/office/drawing/2014/main" id="{B9936EC0-21EE-8DCD-ADC5-98D82AE0A370}"/>
+              </a:ext>
+            </a:extLst>
+          </p:cNvPr>
+          <p:cNvPicPr>
+            <a:picLocks noChangeAspect="1"/>
+          </p:cNvPicPr>
+          <p:nvPr/>
+        </p:nvPicPr>
+        <p:blipFill>
+          <a:blip r:embed="rId2"/>
+          <a:stretch>
+            <a:fillRect/>
+          </a:stretch>
+        </p:blipFill>
+        <p:spPr>
+          <a:xfrm>
+            <a:off x="939127" y="2876041"/>
+            <a:ext cx="5071380" cy="2886477"/>
+          </a:xfrm>
+          <a:prstGeom prst="rect">
+            <a:avLst/>
+          </a:prstGeom>
+        </p:spPr>
+      </p:pic>
+    </p:spTree>
+    <p:extLst>
+      <p:ext uri="{BB962C8B-B14F-4D97-AF65-F5344CB8AC3E}">
+        <p14:creationId xmlns:p14="http://schemas.microsoft.com/office/powerpoint/2010/main" val="87144454"/>
+      </p:ext>
+    </p:extLst>
+  </p:cSld>
+  <p:clrMapOvr>
+    <a:masterClrMapping/>
+  </p:clrMapOvr>
+</p:sld>
+</file>
+
+<file path=ppt/slides/slide14.xml><?xml version="1.0" encoding="utf-8"?>
+<p:sld xmlns:a="http://schemas.openxmlformats.org/drawingml/2006/main" xmlns:r="http://schemas.openxmlformats.org/officeDocument/2006/relationships" xmlns:p="http://schemas.openxmlformats.org/presentationml/2006/main">
+  <p:cSld>
+    <p:spTree>
+      <p:nvGrpSpPr>
+        <p:cNvPr id="1" name=""/>
+        <p:cNvGrpSpPr/>
+        <p:nvPr/>
+      </p:nvGrpSpPr>
+      <p:grpSpPr>
+        <a:xfrm>
+          <a:off x="0" y="0"/>
+          <a:ext cx="0" cy="0"/>
+          <a:chOff x="0" y="0"/>
+          <a:chExt cx="0" cy="0"/>
+        </a:xfrm>
+      </p:grpSpPr>
+      <p:sp>
+        <p:nvSpPr>
+          <p:cNvPr id="2" name="標題 1">
+            <a:extLst>
+              <a:ext uri="{FF2B5EF4-FFF2-40B4-BE49-F238E27FC236}">
+                <a16:creationId xmlns:a16="http://schemas.microsoft.com/office/drawing/2014/main" id="{EDA9CC5C-5552-CC22-5E4E-B4160ABE235B}"/>
+              </a:ext>
+            </a:extLst>
+          </p:cNvPr>
+          <p:cNvSpPr>
+            <a:spLocks noGrp="1"/>
+          </p:cNvSpPr>
+          <p:nvPr>
+            <p:ph type="title"/>
+          </p:nvPr>
+        </p:nvSpPr>
+        <p:spPr/>
+        <p:txBody>
+          <a:bodyPr/>
+          <a:lstStyle/>
+          <a:p>
+            <a:r>
+              <a:rPr lang="en-US" altLang="zh-TW" dirty="0"/>
+              <a:t>Example</a:t>
+            </a:r>
+            <a:endParaRPr lang="zh-TW" altLang="en-US" dirty="0"/>
+          </a:p>
+        </p:txBody>
+      </p:sp>
+      <p:sp>
+        <p:nvSpPr>
+          <p:cNvPr id="3" name="內容版面配置區 2">
+            <a:extLst>
+              <a:ext uri="{FF2B5EF4-FFF2-40B4-BE49-F238E27FC236}">
+                <a16:creationId xmlns:a16="http://schemas.microsoft.com/office/drawing/2014/main" id="{6DD30C52-E73D-B1E6-4C95-0F15321C3959}"/>
+              </a:ext>
+            </a:extLst>
+          </p:cNvPr>
+          <p:cNvSpPr>
+            <a:spLocks noGrp="1"/>
+          </p:cNvSpPr>
+          <p:nvPr>
+            <p:ph idx="1"/>
+          </p:nvPr>
+        </p:nvSpPr>
+        <p:spPr/>
+        <p:txBody>
+          <a:bodyPr/>
+          <a:lstStyle/>
+          <a:p>
+            <a:r>
+              <a:rPr lang="en-US" altLang="zh-TW" dirty="0"/>
+              <a:t>Firstly, we iterate through all feature spaces. Then we partition the feature space into 4 subintervals, which yields 3 bin boundaries for partitioning.</a:t>
+            </a:r>
+            <a:endParaRPr lang="zh-TW" altLang="en-US" dirty="0"/>
+          </a:p>
+        </p:txBody>
+      </p:sp>
+      <p:pic>
+        <p:nvPicPr>
+          <p:cNvPr id="5" name="圖片 4">
+            <a:extLst>
+              <a:ext uri="{FF2B5EF4-FFF2-40B4-BE49-F238E27FC236}">
+                <a16:creationId xmlns:a16="http://schemas.microsoft.com/office/drawing/2014/main" id="{534DD19F-CA25-B9F1-C40C-7AE9CFAA20D7}"/>
+              </a:ext>
+            </a:extLst>
+          </p:cNvPr>
+          <p:cNvPicPr>
+            <a:picLocks noChangeAspect="1"/>
+          </p:cNvPicPr>
+          <p:nvPr/>
+        </p:nvPicPr>
+        <p:blipFill>
+          <a:blip r:embed="rId2"/>
+          <a:stretch>
+            <a:fillRect/>
+          </a:stretch>
+        </p:blipFill>
+        <p:spPr>
+          <a:xfrm>
+            <a:off x="838200" y="3106202"/>
+            <a:ext cx="10515600" cy="2866540"/>
+          </a:xfrm>
+          <a:prstGeom prst="rect">
+            <a:avLst/>
+          </a:prstGeom>
+        </p:spPr>
+      </p:pic>
+    </p:spTree>
+    <p:extLst>
+      <p:ext uri="{BB962C8B-B14F-4D97-AF65-F5344CB8AC3E}">
+        <p14:creationId xmlns:p14="http://schemas.microsoft.com/office/powerpoint/2010/main" val="226284853"/>
+      </p:ext>
+    </p:extLst>
+  </p:cSld>
+  <p:clrMapOvr>
+    <a:masterClrMapping/>
+  </p:clrMapOvr>
+</p:sld>
+</file>
+
+<file path=ppt/slides/slide15.xml><?xml version="1.0" encoding="utf-8"?>
+<p:sld xmlns:a="http://schemas.openxmlformats.org/drawingml/2006/main" xmlns:r="http://schemas.openxmlformats.org/officeDocument/2006/relationships" xmlns:p="http://schemas.openxmlformats.org/presentationml/2006/main">
+  <p:cSld>
+    <p:spTree>
+      <p:nvGrpSpPr>
+        <p:cNvPr id="1" name=""/>
+        <p:cNvGrpSpPr/>
+        <p:nvPr/>
+      </p:nvGrpSpPr>
+      <p:grpSpPr>
+        <a:xfrm>
+          <a:off x="0" y="0"/>
+          <a:ext cx="0" cy="0"/>
+          <a:chOff x="0" y="0"/>
+          <a:chExt cx="0" cy="0"/>
+        </a:xfrm>
+      </p:grpSpPr>
+      <p:sp>
+        <p:nvSpPr>
+          <p:cNvPr id="2" name="標題 1">
+            <a:extLst>
+              <a:ext uri="{FF2B5EF4-FFF2-40B4-BE49-F238E27FC236}">
+                <a16:creationId xmlns:a16="http://schemas.microsoft.com/office/drawing/2014/main" id="{674F45ED-39EF-36F3-1EE6-7E6DC7BE37BC}"/>
+              </a:ext>
+            </a:extLst>
+          </p:cNvPr>
+          <p:cNvSpPr>
+            <a:spLocks noGrp="1"/>
+          </p:cNvSpPr>
+          <p:nvPr>
+            <p:ph type="title"/>
+          </p:nvPr>
+        </p:nvSpPr>
+        <p:spPr/>
+        <p:txBody>
+          <a:bodyPr/>
+          <a:lstStyle/>
+          <a:p>
+            <a:r>
+              <a:rPr lang="en-US" altLang="zh-TW" dirty="0"/>
+              <a:t>Example </a:t>
+            </a:r>
+            <a:endParaRPr lang="zh-TW" altLang="en-US" dirty="0"/>
+          </a:p>
+        </p:txBody>
+      </p:sp>
+      <p:sp>
+        <p:nvSpPr>
+          <p:cNvPr id="3" name="內容版面配置區 2">
+            <a:extLst>
+              <a:ext uri="{FF2B5EF4-FFF2-40B4-BE49-F238E27FC236}">
+                <a16:creationId xmlns:a16="http://schemas.microsoft.com/office/drawing/2014/main" id="{B3D43A40-C7F0-5E84-6A02-3D294A4E5E49}"/>
+              </a:ext>
+            </a:extLst>
+          </p:cNvPr>
+          <p:cNvSpPr>
+            <a:spLocks noGrp="1"/>
+          </p:cNvSpPr>
+          <p:nvPr>
+            <p:ph idx="1"/>
+          </p:nvPr>
+        </p:nvSpPr>
+        <p:spPr/>
+        <p:txBody>
+          <a:bodyPr/>
+          <a:lstStyle/>
+          <a:p>
+            <a:r>
+              <a:rPr lang="en-US" altLang="zh-TW" dirty="0"/>
+              <a:t>We then iterate through every bins and calculate the entropy values of the left and right subintervals.</a:t>
+            </a:r>
+          </a:p>
+        </p:txBody>
+      </p:sp>
+      <p:pic>
+        <p:nvPicPr>
+          <p:cNvPr id="5" name="圖片 4">
+            <a:extLst>
+              <a:ext uri="{FF2B5EF4-FFF2-40B4-BE49-F238E27FC236}">
+                <a16:creationId xmlns:a16="http://schemas.microsoft.com/office/drawing/2014/main" id="{0876BC01-D369-2B12-D21F-29C1064B1F85}"/>
+              </a:ext>
+            </a:extLst>
+          </p:cNvPr>
+          <p:cNvPicPr>
+            <a:picLocks noChangeAspect="1"/>
+          </p:cNvPicPr>
+          <p:nvPr/>
+        </p:nvPicPr>
+        <p:blipFill>
+          <a:blip r:embed="rId2"/>
+          <a:stretch>
+            <a:fillRect/>
+          </a:stretch>
+        </p:blipFill>
+        <p:spPr>
+          <a:xfrm>
+            <a:off x="1035882" y="2565837"/>
+            <a:ext cx="5060118" cy="1280271"/>
+          </a:xfrm>
+          <a:prstGeom prst="rect">
+            <a:avLst/>
+          </a:prstGeom>
+        </p:spPr>
+      </p:pic>
+      <p:pic>
+        <p:nvPicPr>
+          <p:cNvPr id="7" name="圖片 6">
+            <a:extLst>
+              <a:ext uri="{FF2B5EF4-FFF2-40B4-BE49-F238E27FC236}">
+                <a16:creationId xmlns:a16="http://schemas.microsoft.com/office/drawing/2014/main" id="{7EF0D5B0-4BB3-5B22-7692-53A0A1C13276}"/>
+              </a:ext>
+            </a:extLst>
+          </p:cNvPr>
+          <p:cNvPicPr>
+            <a:picLocks noChangeAspect="1"/>
+          </p:cNvPicPr>
+          <p:nvPr/>
+        </p:nvPicPr>
+        <p:blipFill>
+          <a:blip r:embed="rId3"/>
+          <a:stretch>
+            <a:fillRect/>
+          </a:stretch>
+        </p:blipFill>
+        <p:spPr>
+          <a:xfrm>
+            <a:off x="1035881" y="3880862"/>
+            <a:ext cx="3123523" cy="2033723"/>
+          </a:xfrm>
+          <a:prstGeom prst="rect">
+            <a:avLst/>
+          </a:prstGeom>
+        </p:spPr>
+      </p:pic>
+      <p:pic>
+        <p:nvPicPr>
+          <p:cNvPr id="9" name="圖片 8">
+            <a:extLst>
+              <a:ext uri="{FF2B5EF4-FFF2-40B4-BE49-F238E27FC236}">
+                <a16:creationId xmlns:a16="http://schemas.microsoft.com/office/drawing/2014/main" id="{2D1E2FAD-15AD-6539-FAAB-8D655DB54FDC}"/>
+              </a:ext>
+            </a:extLst>
+          </p:cNvPr>
+          <p:cNvPicPr>
+            <a:picLocks noChangeAspect="1"/>
+          </p:cNvPicPr>
+          <p:nvPr/>
+        </p:nvPicPr>
+        <p:blipFill>
+          <a:blip r:embed="rId4"/>
+          <a:stretch>
+            <a:fillRect/>
+          </a:stretch>
+        </p:blipFill>
+        <p:spPr>
+          <a:xfrm>
+            <a:off x="4444933" y="3880861"/>
+            <a:ext cx="3212060" cy="2033723"/>
+          </a:xfrm>
+          <a:prstGeom prst="rect">
+            <a:avLst/>
+          </a:prstGeom>
+        </p:spPr>
+      </p:pic>
+    </p:spTree>
+    <p:extLst>
+      <p:ext uri="{BB962C8B-B14F-4D97-AF65-F5344CB8AC3E}">
+        <p14:creationId xmlns:p14="http://schemas.microsoft.com/office/powerpoint/2010/main" val="3066475070"/>
+      </p:ext>
+    </p:extLst>
+  </p:cSld>
+  <p:clrMapOvr>
+    <a:masterClrMapping/>
+  </p:clrMapOvr>
+</p:sld>
+</file>
+
+<file path=ppt/slides/slide16.xml><?xml version="1.0" encoding="utf-8"?>
+<p:sld xmlns:a="http://schemas.openxmlformats.org/drawingml/2006/main" xmlns:r="http://schemas.openxmlformats.org/officeDocument/2006/relationships" xmlns:p="http://schemas.openxmlformats.org/presentationml/2006/main">
+  <p:cSld>
+    <p:spTree>
+      <p:nvGrpSpPr>
+        <p:cNvPr id="1" name=""/>
+        <p:cNvGrpSpPr/>
+        <p:nvPr/>
+      </p:nvGrpSpPr>
+      <p:grpSpPr>
+        <a:xfrm>
+          <a:off x="0" y="0"/>
+          <a:ext cx="0" cy="0"/>
+          <a:chOff x="0" y="0"/>
+          <a:chExt cx="0" cy="0"/>
+        </a:xfrm>
+      </p:grpSpPr>
+      <p:sp>
+        <p:nvSpPr>
+          <p:cNvPr id="2" name="標題 1">
+            <a:extLst>
+              <a:ext uri="{FF2B5EF4-FFF2-40B4-BE49-F238E27FC236}">
+                <a16:creationId xmlns:a16="http://schemas.microsoft.com/office/drawing/2014/main" id="{31A3EF4E-4C3F-B3DA-DBD4-D3DDAF46556C}"/>
+              </a:ext>
+            </a:extLst>
+          </p:cNvPr>
+          <p:cNvSpPr>
+            <a:spLocks noGrp="1"/>
+          </p:cNvSpPr>
+          <p:nvPr>
+            <p:ph type="title"/>
+          </p:nvPr>
+        </p:nvSpPr>
+        <p:spPr/>
+        <p:txBody>
+          <a:bodyPr/>
+          <a:lstStyle/>
+          <a:p>
+            <a:r>
+              <a:rPr lang="en-US" altLang="zh-TW" dirty="0"/>
+              <a:t>Example</a:t>
+            </a:r>
+            <a:endParaRPr lang="zh-TW" altLang="en-US" dirty="0"/>
+          </a:p>
+        </p:txBody>
+      </p:sp>
+      <p:sp>
+        <p:nvSpPr>
+          <p:cNvPr id="3" name="內容版面配置區 2">
+            <a:extLst>
+              <a:ext uri="{FF2B5EF4-FFF2-40B4-BE49-F238E27FC236}">
+                <a16:creationId xmlns:a16="http://schemas.microsoft.com/office/drawing/2014/main" id="{370DD323-7263-A352-2169-6D8C8DE5E228}"/>
+              </a:ext>
+            </a:extLst>
+          </p:cNvPr>
+          <p:cNvSpPr>
+            <a:spLocks noGrp="1"/>
+          </p:cNvSpPr>
+          <p:nvPr>
+            <p:ph idx="1"/>
+          </p:nvPr>
+        </p:nvSpPr>
+        <p:spPr/>
+        <p:txBody>
+          <a:bodyPr/>
+          <a:lstStyle/>
+          <a:p>
+            <a:r>
+              <a:rPr lang="en-US" altLang="zh-TW" dirty="0"/>
+              <a:t>Lastly, we calculate the weighted sum of the left and right subintervals’ entropy value. Then we choose the minimums of the entropy values we get from all bins for all features.</a:t>
+            </a:r>
+          </a:p>
+          <a:p>
+            <a:endParaRPr lang="en-US" altLang="zh-TW" dirty="0"/>
+          </a:p>
+          <a:p>
+            <a:endParaRPr lang="en-US" altLang="zh-TW" dirty="0"/>
+          </a:p>
+          <a:p>
+            <a:endParaRPr lang="en-US" altLang="zh-TW" dirty="0"/>
+          </a:p>
+          <a:p>
+            <a:endParaRPr lang="en-US" altLang="zh-TW" dirty="0"/>
+          </a:p>
+          <a:p>
+            <a:r>
+              <a:rPr lang="en-US" altLang="zh-TW" dirty="0"/>
+              <a:t>That says the second and the third features are the most discriminant features for they give us minimal entropy values.</a:t>
+            </a:r>
+            <a:endParaRPr lang="zh-TW" altLang="en-US" dirty="0"/>
+          </a:p>
+        </p:txBody>
+      </p:sp>
+      <p:pic>
+        <p:nvPicPr>
+          <p:cNvPr id="5" name="圖片 4">
+            <a:extLst>
+              <a:ext uri="{FF2B5EF4-FFF2-40B4-BE49-F238E27FC236}">
+                <a16:creationId xmlns:a16="http://schemas.microsoft.com/office/drawing/2014/main" id="{CE0AB752-3A3F-407F-F7F2-1BC476126C51}"/>
+              </a:ext>
+            </a:extLst>
+          </p:cNvPr>
+          <p:cNvPicPr>
+            <a:picLocks noChangeAspect="1"/>
+          </p:cNvPicPr>
+          <p:nvPr/>
+        </p:nvPicPr>
+        <p:blipFill>
+          <a:blip r:embed="rId2"/>
+          <a:stretch>
+            <a:fillRect/>
+          </a:stretch>
+        </p:blipFill>
+        <p:spPr>
+          <a:xfrm>
+            <a:off x="999494" y="3089880"/>
+            <a:ext cx="4453452" cy="1091893"/>
+          </a:xfrm>
+          <a:prstGeom prst="rect">
+            <a:avLst/>
+          </a:prstGeom>
+        </p:spPr>
+      </p:pic>
+      <p:pic>
+        <p:nvPicPr>
+          <p:cNvPr id="7" name="圖片 6">
+            <a:extLst>
+              <a:ext uri="{FF2B5EF4-FFF2-40B4-BE49-F238E27FC236}">
+                <a16:creationId xmlns:a16="http://schemas.microsoft.com/office/drawing/2014/main" id="{F3527C0B-8E31-D2DF-1614-452E46A03553}"/>
+              </a:ext>
+            </a:extLst>
+          </p:cNvPr>
+          <p:cNvPicPr>
+            <a:picLocks noChangeAspect="1"/>
+          </p:cNvPicPr>
+          <p:nvPr/>
+        </p:nvPicPr>
+        <p:blipFill>
+          <a:blip r:embed="rId3"/>
+          <a:stretch>
+            <a:fillRect/>
+          </a:stretch>
+        </p:blipFill>
+        <p:spPr>
+          <a:xfrm>
+            <a:off x="999493" y="4333437"/>
+            <a:ext cx="4453451" cy="720020"/>
+          </a:xfrm>
+          <a:prstGeom prst="rect">
+            <a:avLst/>
+          </a:prstGeom>
+        </p:spPr>
+      </p:pic>
+    </p:spTree>
+    <p:extLst>
+      <p:ext uri="{BB962C8B-B14F-4D97-AF65-F5344CB8AC3E}">
+        <p14:creationId xmlns:p14="http://schemas.microsoft.com/office/powerpoint/2010/main" val="850155086"/>
+      </p:ext>
+    </p:extLst>
+  </p:cSld>
+  <p:clrMapOvr>
+    <a:masterClrMapping/>
+  </p:clrMapOvr>
+</p:sld>
+</file>
+
 <file path=ppt/slides/slide2.xml><?xml version="1.0" encoding="utf-8"?>
 <p:sld xmlns:a="http://schemas.openxmlformats.org/drawingml/2006/main" xmlns:r="http://schemas.openxmlformats.org/officeDocument/2006/relationships" xmlns:p="http://schemas.openxmlformats.org/presentationml/2006/main">
   <p:cSld>
@@ -4821,7 +6130,7 @@
           <a:lstStyle/>
           <a:p>
             <a:r>
-              <a:rPr lang="zh-TW" b="1">
+              <a:rPr lang="zh-TW" b="1" dirty="0">
                 <a:ea typeface="+mj-lt"/>
                 <a:cs typeface="+mj-lt"/>
               </a:rPr>
@@ -4835,7 +6144,7 @@
               <a:t>n</a:t>
             </a:r>
             <a:r>
-              <a:rPr lang="zh-TW" b="1">
+              <a:rPr lang="zh-TW" b="1" dirty="0">
                 <a:ea typeface="+mj-lt"/>
                 <a:cs typeface="+mj-lt"/>
               </a:rPr>
@@ -4849,7 +6158,7 @@
               <a:t>upervised</a:t>
             </a:r>
             <a:r>
-              <a:rPr lang="zh-TW" b="1">
+              <a:rPr lang="zh-TW" b="1" dirty="0">
                 <a:ea typeface="+mj-lt"/>
                 <a:cs typeface="+mj-lt"/>
               </a:rPr>
@@ -4863,13 +6172,13 @@
               <a:t>eature</a:t>
             </a:r>
             <a:r>
-              <a:rPr lang="zh-TW" altLang="en-US" b="1">
+              <a:rPr lang="zh-TW" altLang="en-US" b="1" dirty="0">
                 <a:ea typeface="+mj-lt"/>
                 <a:cs typeface="+mj-lt"/>
               </a:rPr>
               <a:t> Selection From High Dimentional Feature Spaces</a:t>
             </a:r>
-            <a:endParaRPr lang="zh-TW" b="1"/>
+            <a:endParaRPr lang="zh-TW" b="1" dirty="0"/>
           </a:p>
         </p:txBody>
       </p:sp>
@@ -4939,7 +6248,7 @@
               <a:t>D</a:t>
             </a:r>
             <a:r>
-              <a:rPr lang="zh-TW">
+              <a:rPr lang="zh-TW" dirty="0">
                 <a:ea typeface="+mn-lt"/>
                 <a:cs typeface="+mn-lt"/>
               </a:rPr>
@@ -4970,21 +6279,17 @@
               <a:t>classification</a:t>
             </a:r>
             <a:r>
-              <a:rPr lang="zh-TW" altLang="en-US">
+              <a:rPr lang="zh-TW" altLang="en-US" dirty="0">
                 <a:ea typeface="+mn-lt"/>
                 <a:cs typeface="+mn-lt"/>
               </a:rPr>
               <a:t> problems</a:t>
             </a:r>
-            <a:endParaRPr lang="zh-TW" altLang="en-US" dirty="0">
-              <a:ea typeface="+mn-lt"/>
-              <a:cs typeface="+mn-lt"/>
-            </a:endParaRPr>
           </a:p>
           <a:p>
             <a:pPr lvl="1" indent="-285750"/>
             <a:r>
-              <a:rPr lang="zh-TW">
+              <a:rPr lang="zh-TW" dirty="0">
                 <a:ea typeface="+mn-lt"/>
                 <a:cs typeface="+mn-lt"/>
               </a:rPr>
